--- a/Clase_18_05_2019/Base de datos y POSTGRESQL.pptx
+++ b/Clase_18_05_2019/Base de datos y POSTGRESQL.pptx
@@ -299,7 +299,7 @@
             <a:fld id="{08B9EBBA-996F-894A-B54A-D6246ED52CEA}" type="datetimeFigureOut">
               <a:rPr lang="en-US" smtClean="0"/>
               <a:pPr/>
-              <a:t>5/13/2019</a:t>
+              <a:t>5/14/2019</a:t>
             </a:fld>
             <a:endParaRPr lang="en-US" dirty="0"/>
           </a:p>
@@ -631,7 +631,7 @@
             <a:fld id="{C6C52C72-DE31-F449-A4ED-4C594FD91407}" type="datetimeFigureOut">
               <a:rPr lang="en-US" smtClean="0"/>
               <a:pPr/>
-              <a:t>5/13/2019</a:t>
+              <a:t>5/14/2019</a:t>
             </a:fld>
             <a:endParaRPr lang="en-US" dirty="0"/>
           </a:p>
@@ -813,7 +813,7 @@
             <a:fld id="{ED62726E-379B-B349-9EED-81ED093FA806}" type="datetimeFigureOut">
               <a:rPr lang="en-US" smtClean="0"/>
               <a:pPr/>
-              <a:t>5/13/2019</a:t>
+              <a:t>5/14/2019</a:t>
             </a:fld>
             <a:endParaRPr lang="en-US" dirty="0"/>
           </a:p>
@@ -985,7 +985,7 @@
             <a:fld id="{9B3A1323-8D79-1946-B0D7-40001CF92E9D}" type="datetimeFigureOut">
               <a:rPr lang="en-US" smtClean="0"/>
               <a:pPr/>
-              <a:t>5/13/2019</a:t>
+              <a:t>5/14/2019</a:t>
             </a:fld>
             <a:endParaRPr lang="en-US" dirty="0"/>
           </a:p>
@@ -1264,7 +1264,7 @@
             <a:fld id="{8DFA1846-DA80-1C48-A609-854EA85C59AD}" type="datetimeFigureOut">
               <a:rPr lang="en-US" smtClean="0"/>
               <a:pPr/>
-              <a:t>5/13/2019</a:t>
+              <a:t>5/14/2019</a:t>
             </a:fld>
             <a:endParaRPr lang="en-US" dirty="0"/>
           </a:p>
@@ -1660,7 +1660,7 @@
             <a:fld id="{57302355-E14B-8545-A8F8-0FE83CC9D524}" type="datetimeFigureOut">
               <a:rPr lang="en-US" smtClean="0"/>
               <a:pPr/>
-              <a:t>5/13/2019</a:t>
+              <a:t>5/14/2019</a:t>
             </a:fld>
             <a:endParaRPr lang="en-US" dirty="0"/>
           </a:p>
@@ -2139,7 +2139,7 @@
             <a:fld id="{02640F58-564D-2B4F-AE67-E407BA4FCF45}" type="datetimeFigureOut">
               <a:rPr lang="en-US" smtClean="0"/>
               <a:pPr/>
-              <a:t>5/13/2019</a:t>
+              <a:t>5/14/2019</a:t>
             </a:fld>
             <a:endParaRPr lang="en-US" dirty="0"/>
           </a:p>
@@ -2259,7 +2259,7 @@
             <a:fld id="{F13A34C8-038E-2045-AF43-DF7DBB8E0E9E}" type="datetimeFigureOut">
               <a:rPr lang="en-US" smtClean="0"/>
               <a:pPr/>
-              <a:t>5/13/2019</a:t>
+              <a:t>5/14/2019</a:t>
             </a:fld>
             <a:endParaRPr lang="en-US" dirty="0"/>
           </a:p>
@@ -2356,7 +2356,7 @@
             <a:fld id="{8818C68F-D26B-8F47-958C-23B49CF8A634}" type="datetimeFigureOut">
               <a:rPr lang="en-US" smtClean="0"/>
               <a:pPr/>
-              <a:t>5/13/2019</a:t>
+              <a:t>5/14/2019</a:t>
             </a:fld>
             <a:endParaRPr lang="en-US" dirty="0"/>
           </a:p>
@@ -2704,7 +2704,7 @@
             <a:fld id="{D0DF5E60-9974-AC48-9591-99C2BB44B7CF}" type="datetimeFigureOut">
               <a:rPr lang="en-US" smtClean="0"/>
               <a:pPr/>
-              <a:t>5/13/2019</a:t>
+              <a:t>5/14/2019</a:t>
             </a:fld>
             <a:endParaRPr lang="en-US" dirty="0"/>
           </a:p>
@@ -3094,7 +3094,7 @@
             <a:fld id="{09B482E8-6E0E-1B4F-B1FD-C69DB9E858D9}" type="datetimeFigureOut">
               <a:rPr lang="en-US" smtClean="0"/>
               <a:pPr/>
-              <a:t>5/13/2019</a:t>
+              <a:t>5/14/2019</a:t>
             </a:fld>
             <a:endParaRPr lang="en-US" dirty="0"/>
           </a:p>
@@ -3375,7 +3375,7 @@
             <a:fld id="{09B482E8-6E0E-1B4F-B1FD-C69DB9E858D9}" type="datetimeFigureOut">
               <a:rPr lang="en-US" smtClean="0"/>
               <a:pPr/>
-              <a:t>5/13/2019</a:t>
+              <a:t>5/14/2019</a:t>
             </a:fld>
             <a:endParaRPr lang="en-US" dirty="0"/>
           </a:p>
@@ -3959,6 +3959,13 @@
   <p:clrMapOvr>
     <a:masterClrMapping/>
   </p:clrMapOvr>
+  <p:timing>
+    <p:tnLst>
+      <p:par>
+        <p:cTn id="1" dur="indefinite" restart="never" nodeType="tmRoot"/>
+      </p:par>
+    </p:tnLst>
+  </p:timing>
 </p:sld>
 </file>
 
@@ -4030,6 +4037,13 @@
   <p:clrMapOvr>
     <a:masterClrMapping/>
   </p:clrMapOvr>
+  <p:timing>
+    <p:tnLst>
+      <p:par>
+        <p:cTn id="1" dur="indefinite" restart="never" nodeType="tmRoot"/>
+      </p:par>
+    </p:tnLst>
+  </p:timing>
 </p:sld>
 </file>
 
@@ -4156,6 +4170,13 @@
   <p:clrMapOvr>
     <a:masterClrMapping/>
   </p:clrMapOvr>
+  <p:timing>
+    <p:tnLst>
+      <p:par>
+        <p:cTn id="1" dur="indefinite" restart="never" nodeType="tmRoot"/>
+      </p:par>
+    </p:tnLst>
+  </p:timing>
 </p:sld>
 </file>
 
@@ -4240,6 +4261,13 @@
   <p:clrMapOvr>
     <a:masterClrMapping/>
   </p:clrMapOvr>
+  <p:timing>
+    <p:tnLst>
+      <p:par>
+        <p:cTn id="1" dur="indefinite" restart="never" nodeType="tmRoot"/>
+      </p:par>
+    </p:tnLst>
+  </p:timing>
 </p:sld>
 </file>
 
@@ -4907,24 +4935,13 @@
             <a:pPr algn="just"/>
             <a:r>
               <a:rPr lang="es-MX" dirty="0"/>
-              <a:t>Es gratuito y libre, además de que hoy nos ofrece una gran cantidad de opciones avanzadas. De hecho, es considerado el motor de base de datos más avanzado en la actualidad. (Y </a:t>
-            </a:r>
-            <a:r>
-              <a:rPr lang="es-MX" dirty="0" err="1"/>
-              <a:t>Platzi</a:t>
-            </a:r>
-            <a:r>
-              <a:rPr lang="es-MX" dirty="0"/>
-              <a:t> tiene un Curso de </a:t>
-            </a:r>
-            <a:r>
-              <a:rPr lang="es-MX" dirty="0" err="1"/>
-              <a:t>PostgreSQL</a:t>
-            </a:r>
-            <a:r>
-              <a:rPr lang="es-MX" dirty="0"/>
-              <a:t>)</a:t>
-            </a:r>
+              <a:t>Es gratuito y libre, además de que hoy nos ofrece una gran cantidad de opciones avanzadas. De hecho, es considerado el motor de base de datos más avanzado en la actualidad</a:t>
+            </a:r>
+            <a:r>
+              <a:rPr lang="es-MX" dirty="0" smtClean="0"/>
+              <a:t>.</a:t>
+            </a:r>
+            <a:endParaRPr lang="es-MX" dirty="0"/>
           </a:p>
         </p:txBody>
       </p:sp>
@@ -5850,7 +5867,6 @@
               <a:rPr lang="es-MX" dirty="0"/>
               <a:t> fue uno de los lenguajes de programación estructurada más aceptada, pero siempre van a existir limitantes, en las cuales la tecnología tiene que ir en constante evolución para buscar respuestas a esas limitantes</a:t>
             </a:r>
-            <a:endParaRPr lang="es-MX" dirty="0"/>
           </a:p>
         </p:txBody>
       </p:sp>
@@ -6041,6 +6057,13 @@
   <p:clrMapOvr>
     <a:masterClrMapping/>
   </p:clrMapOvr>
+  <p:timing>
+    <p:tnLst>
+      <p:par>
+        <p:cTn id="1" dur="indefinite" restart="never" nodeType="tmRoot"/>
+      </p:par>
+    </p:tnLst>
+  </p:timing>
 </p:sld>
 </file>
 
@@ -6157,6 +6180,13 @@
   <p:clrMapOvr>
     <a:masterClrMapping/>
   </p:clrMapOvr>
+  <p:timing>
+    <p:tnLst>
+      <p:par>
+        <p:cTn id="1" dur="indefinite" restart="never" nodeType="tmRoot"/>
+      </p:par>
+    </p:tnLst>
+  </p:timing>
 </p:sld>
 </file>
 
@@ -6233,6 +6263,13 @@
   <p:clrMapOvr>
     <a:masterClrMapping/>
   </p:clrMapOvr>
+  <p:timing>
+    <p:tnLst>
+      <p:par>
+        <p:cTn id="1" dur="indefinite" restart="never" nodeType="tmRoot"/>
+      </p:par>
+    </p:tnLst>
+  </p:timing>
 </p:sld>
 </file>
 
@@ -6329,6 +6366,13 @@
   <p:clrMapOvr>
     <a:masterClrMapping/>
   </p:clrMapOvr>
+  <p:timing>
+    <p:tnLst>
+      <p:par>
+        <p:cTn id="1" dur="indefinite" restart="never" nodeType="tmRoot"/>
+      </p:par>
+    </p:tnLst>
+  </p:timing>
 </p:sld>
 </file>
 
